--- a/Presentation/Angry Robot Studio Team 6.pptx
+++ b/Presentation/Angry Robot Studio Team 6.pptx
@@ -423,7 +423,7 @@
             <a:fld id="{298BA040-8BD0-4201-82B1-40B98AB4B18A}" type="datetimeFigureOut">
               <a:rPr lang="en-US" smtClean="0"/>
               <a:pPr/>
-              <a:t>2/13/2014</a:t>
+              <a:t>2/14/2014</a:t>
             </a:fld>
             <a:endParaRPr lang="en-US"/>
           </a:p>
@@ -610,7 +610,7 @@
             <a:fld id="{298BA040-8BD0-4201-82B1-40B98AB4B18A}" type="datetimeFigureOut">
               <a:rPr lang="en-US" smtClean="0"/>
               <a:pPr/>
-              <a:t>2/13/2014</a:t>
+              <a:t>2/14/2014</a:t>
             </a:fld>
             <a:endParaRPr lang="en-US"/>
           </a:p>
@@ -797,7 +797,7 @@
             <a:fld id="{298BA040-8BD0-4201-82B1-40B98AB4B18A}" type="datetimeFigureOut">
               <a:rPr lang="en-US" smtClean="0"/>
               <a:pPr/>
-              <a:t>2/13/2014</a:t>
+              <a:t>2/14/2014</a:t>
             </a:fld>
             <a:endParaRPr lang="en-US"/>
           </a:p>
@@ -984,7 +984,7 @@
             <a:fld id="{298BA040-8BD0-4201-82B1-40B98AB4B18A}" type="datetimeFigureOut">
               <a:rPr lang="en-US" smtClean="0"/>
               <a:pPr/>
-              <a:t>2/13/2014</a:t>
+              <a:t>2/14/2014</a:t>
             </a:fld>
             <a:endParaRPr lang="en-US"/>
           </a:p>
@@ -1367,7 +1367,7 @@
             <a:fld id="{298BA040-8BD0-4201-82B1-40B98AB4B18A}" type="datetimeFigureOut">
               <a:rPr lang="en-US" smtClean="0"/>
               <a:pPr/>
-              <a:t>2/13/2014</a:t>
+              <a:t>2/14/2014</a:t>
             </a:fld>
             <a:endParaRPr lang="en-US"/>
           </a:p>
@@ -1638,7 +1638,7 @@
             <a:fld id="{298BA040-8BD0-4201-82B1-40B98AB4B18A}" type="datetimeFigureOut">
               <a:rPr lang="en-US" smtClean="0"/>
               <a:pPr/>
-              <a:t>2/13/2014</a:t>
+              <a:t>2/14/2014</a:t>
             </a:fld>
             <a:endParaRPr lang="en-US"/>
           </a:p>
@@ -2025,7 +2025,7 @@
             <a:fld id="{298BA040-8BD0-4201-82B1-40B98AB4B18A}" type="datetimeFigureOut">
               <a:rPr lang="en-US" smtClean="0"/>
               <a:pPr/>
-              <a:t>2/13/2014</a:t>
+              <a:t>2/14/2014</a:t>
             </a:fld>
             <a:endParaRPr lang="en-US"/>
           </a:p>
@@ -2148,7 +2148,7 @@
             <a:fld id="{298BA040-8BD0-4201-82B1-40B98AB4B18A}" type="datetimeFigureOut">
               <a:rPr lang="en-US" smtClean="0"/>
               <a:pPr/>
-              <a:t>2/13/2014</a:t>
+              <a:t>2/14/2014</a:t>
             </a:fld>
             <a:endParaRPr lang="en-US"/>
           </a:p>
@@ -2330,7 +2330,7 @@
             <a:fld id="{298BA040-8BD0-4201-82B1-40B98AB4B18A}" type="datetimeFigureOut">
               <a:rPr lang="en-US" smtClean="0"/>
               <a:pPr/>
-              <a:t>2/13/2014</a:t>
+              <a:t>2/14/2014</a:t>
             </a:fld>
             <a:endParaRPr lang="en-US"/>
           </a:p>
@@ -2666,7 +2666,7 @@
             <a:fld id="{298BA040-8BD0-4201-82B1-40B98AB4B18A}" type="datetimeFigureOut">
               <a:rPr lang="en-US" smtClean="0"/>
               <a:pPr/>
-              <a:t>2/13/2014</a:t>
+              <a:t>2/14/2014</a:t>
             </a:fld>
             <a:endParaRPr lang="en-US"/>
           </a:p>
@@ -3037,7 +3037,7 @@
             <a:fld id="{298BA040-8BD0-4201-82B1-40B98AB4B18A}" type="datetimeFigureOut">
               <a:rPr lang="en-US" smtClean="0"/>
               <a:pPr/>
-              <a:t>2/13/2014</a:t>
+              <a:t>2/14/2014</a:t>
             </a:fld>
             <a:endParaRPr lang="en-US"/>
           </a:p>
@@ -3457,7 +3457,7 @@
             <a:fld id="{298BA040-8BD0-4201-82B1-40B98AB4B18A}" type="datetimeFigureOut">
               <a:rPr lang="en-US" smtClean="0"/>
               <a:pPr/>
-              <a:t>2/13/2014</a:t>
+              <a:t>2/14/2014</a:t>
             </a:fld>
             <a:endParaRPr lang="en-US"/>
           </a:p>
@@ -3988,7 +3988,7 @@
           <a:blip r:embed="rId2" cstate="print">
             <a:extLst>
               <a:ext uri="{28A0092B-C50C-407E-A947-70E740481C1C}">
-                <a14:useLocalDpi xmlns:a14="http://schemas.microsoft.com/office/drawing/2010/main" xmlns="" val="0"/>
+                <a14:useLocalDpi xmlns="" xmlns:a14="http://schemas.microsoft.com/office/drawing/2010/main" val="0"/>
               </a:ext>
             </a:extLst>
           </a:blip>
@@ -4009,7 +4009,7 @@
     </p:spTree>
     <p:extLst>
       <p:ext uri="{BB962C8B-B14F-4D97-AF65-F5344CB8AC3E}">
-        <p14:creationId xmlns:p14="http://schemas.microsoft.com/office/powerpoint/2010/main" xmlns="" val="2567123241"/>
+        <p14:creationId xmlns="" xmlns:p14="http://schemas.microsoft.com/office/powerpoint/2010/main" val="2567123241"/>
       </p:ext>
     </p:extLst>
   </p:cSld>
@@ -4108,7 +4108,7 @@
     </p:spTree>
     <p:extLst>
       <p:ext uri="{BB962C8B-B14F-4D97-AF65-F5344CB8AC3E}">
-        <p14:creationId xmlns:p14="http://schemas.microsoft.com/office/powerpoint/2010/main" xmlns="" val="3681305750"/>
+        <p14:creationId xmlns="" xmlns:p14="http://schemas.microsoft.com/office/powerpoint/2010/main" val="3681305750"/>
       </p:ext>
     </p:extLst>
   </p:cSld>
@@ -4241,8 +4241,25 @@
             </a:r>
             <a:r>
               <a:rPr lang="en-US" sz="2200" dirty="0" smtClean="0"/>
-              <a:t>coding, modeling, rigging</a:t>
-            </a:r>
+              <a:t>coding</a:t>
+            </a:r>
+            <a:r>
+              <a:rPr lang="en-US" sz="2200" smtClean="0"/>
+              <a:t>, </a:t>
+            </a:r>
+            <a:r>
+              <a:rPr lang="en-US" sz="2200" smtClean="0"/>
+              <a:t>rigging</a:t>
+            </a:r>
+            <a:r>
+              <a:rPr lang="en-US" sz="2200" smtClean="0"/>
+              <a:t>, </a:t>
+            </a:r>
+            <a:r>
+              <a:rPr lang="en-US" sz="2200" smtClean="0"/>
+              <a:t>(modeling)</a:t>
+            </a:r>
+            <a:endParaRPr lang="en-US" sz="2200" dirty="0" smtClean="0"/>
           </a:p>
           <a:p>
             <a:pPr marL="0" indent="0">
@@ -4309,7 +4326,7 @@
     </p:spTree>
     <p:extLst>
       <p:ext uri="{BB962C8B-B14F-4D97-AF65-F5344CB8AC3E}">
-        <p14:creationId xmlns:p14="http://schemas.microsoft.com/office/powerpoint/2010/main" xmlns="" val="3062650646"/>
+        <p14:creationId xmlns="" xmlns:p14="http://schemas.microsoft.com/office/powerpoint/2010/main" val="3062650646"/>
       </p:ext>
     </p:extLst>
   </p:cSld>
@@ -4358,11 +4375,7 @@
           <a:p>
             <a:r>
               <a:rPr lang="en-US" dirty="0" smtClean="0"/>
-              <a:t>Game </a:t>
-            </a:r>
-            <a:r>
-              <a:rPr lang="en-US" dirty="0" smtClean="0"/>
-              <a:t>Name: Recovery</a:t>
+              <a:t>Game Name: Recovery</a:t>
             </a:r>
             <a:endParaRPr lang="en-US" dirty="0"/>
           </a:p>
@@ -4473,7 +4486,7 @@
     </p:spTree>
     <p:extLst>
       <p:ext uri="{BB962C8B-B14F-4D97-AF65-F5344CB8AC3E}">
-        <p14:creationId xmlns:p14="http://schemas.microsoft.com/office/powerpoint/2010/main" xmlns="" val="3062650646"/>
+        <p14:creationId xmlns="" xmlns:p14="http://schemas.microsoft.com/office/powerpoint/2010/main" val="3062650646"/>
       </p:ext>
     </p:extLst>
   </p:cSld>
@@ -4593,21 +4606,8 @@
           <a:p>
             <a:r>
               <a:rPr lang="en-US" sz="2200" dirty="0" smtClean="0"/>
-              <a:t>Other </a:t>
-            </a:r>
-            <a:r>
-              <a:rPr lang="en-US" sz="2200" dirty="0" smtClean="0"/>
-              <a:t>robots that </a:t>
-            </a:r>
-            <a:r>
-              <a:rPr lang="en-US" sz="2200" dirty="0" smtClean="0"/>
-              <a:t>live on the </a:t>
-            </a:r>
-            <a:r>
-              <a:rPr lang="en-US" sz="2200" dirty="0" smtClean="0"/>
-              <a:t>“planet”</a:t>
-            </a:r>
-            <a:endParaRPr lang="en-US" sz="2200" dirty="0" smtClean="0"/>
+              <a:t>Other robots that live on the “planet”</a:t>
+            </a:r>
           </a:p>
           <a:p>
             <a:r>
@@ -4616,31 +4616,21 @@
             </a:r>
             <a:r>
               <a:rPr lang="en-US" sz="2200" dirty="0" smtClean="0"/>
-              <a:t>ttack him because he is an </a:t>
-            </a:r>
+              <a:t>ttack him because he is an intruder</a:t>
+            </a:r>
+          </a:p>
+          <a:p>
             <a:r>
               <a:rPr lang="en-US" sz="2200" dirty="0" smtClean="0"/>
-              <a:t>intruder</a:t>
-            </a:r>
-            <a:endParaRPr lang="en-US" sz="2200" dirty="0" smtClean="0"/>
-          </a:p>
-          <a:p>
-            <a:r>
-              <a:rPr lang="en-US" sz="2200" dirty="0" smtClean="0"/>
-              <a:t>When dead, stay laid on </a:t>
-            </a:r>
-            <a:r>
-              <a:rPr lang="en-US" sz="2200" dirty="0" smtClean="0"/>
-              <a:t>ground</a:t>
-            </a:r>
-            <a:endParaRPr lang="en-US" sz="2200" dirty="0" smtClean="0"/>
+              <a:t>When dead, stay laid on ground</a:t>
+            </a:r>
           </a:p>
         </p:txBody>
       </p:sp>
     </p:spTree>
     <p:extLst>
       <p:ext uri="{BB962C8B-B14F-4D97-AF65-F5344CB8AC3E}">
-        <p14:creationId xmlns:p14="http://schemas.microsoft.com/office/powerpoint/2010/main" xmlns="" val="2310140921"/>
+        <p14:creationId xmlns="" xmlns:p14="http://schemas.microsoft.com/office/powerpoint/2010/main" val="2310140921"/>
       </p:ext>
     </p:extLst>
   </p:cSld>
@@ -4684,11 +4674,7 @@
           <a:p>
             <a:r>
               <a:rPr lang="en-US" dirty="0" smtClean="0"/>
-              <a:t>Sketches of </a:t>
-            </a:r>
-            <a:r>
-              <a:rPr lang="en-US" dirty="0" smtClean="0"/>
-              <a:t>enemy robot</a:t>
+              <a:t>Sketches of enemy robot</a:t>
             </a:r>
             <a:endParaRPr lang="en-US" dirty="0"/>
           </a:p>
@@ -4708,7 +4694,7 @@
           <a:blip r:embed="rId2" cstate="print">
             <a:extLst>
               <a:ext uri="{28A0092B-C50C-407E-A947-70E740481C1C}">
-                <a14:useLocalDpi xmlns:a14="http://schemas.microsoft.com/office/drawing/2010/main" xmlns="" val="0"/>
+                <a14:useLocalDpi xmlns="" xmlns:a14="http://schemas.microsoft.com/office/drawing/2010/main" val="0"/>
               </a:ext>
             </a:extLst>
           </a:blip>
@@ -4749,7 +4735,7 @@
     </p:spTree>
     <p:extLst>
       <p:ext uri="{BB962C8B-B14F-4D97-AF65-F5344CB8AC3E}">
-        <p14:creationId xmlns:p14="http://schemas.microsoft.com/office/powerpoint/2010/main" xmlns="" val="695722913"/>
+        <p14:creationId xmlns="" xmlns:p14="http://schemas.microsoft.com/office/powerpoint/2010/main" val="695722913"/>
       </p:ext>
     </p:extLst>
   </p:cSld>
@@ -4805,7 +4791,7 @@
     </p:spTree>
     <p:extLst>
       <p:ext uri="{BB962C8B-B14F-4D97-AF65-F5344CB8AC3E}">
-        <p14:creationId xmlns:p14="http://schemas.microsoft.com/office/powerpoint/2010/main" xmlns="" val="2829459630"/>
+        <p14:creationId xmlns="" xmlns:p14="http://schemas.microsoft.com/office/powerpoint/2010/main" val="2829459630"/>
       </p:ext>
     </p:extLst>
   </p:cSld>
@@ -4861,7 +4847,7 @@
     </p:spTree>
     <p:extLst>
       <p:ext uri="{BB962C8B-B14F-4D97-AF65-F5344CB8AC3E}">
-        <p14:creationId xmlns:p14="http://schemas.microsoft.com/office/powerpoint/2010/main" xmlns="" val="2829459630"/>
+        <p14:creationId xmlns="" xmlns:p14="http://schemas.microsoft.com/office/powerpoint/2010/main" val="2829459630"/>
       </p:ext>
     </p:extLst>
   </p:cSld>
@@ -4917,7 +4903,7 @@
     </p:spTree>
     <p:extLst>
       <p:ext uri="{BB962C8B-B14F-4D97-AF65-F5344CB8AC3E}">
-        <p14:creationId xmlns:p14="http://schemas.microsoft.com/office/powerpoint/2010/main" xmlns="" val="2829459630"/>
+        <p14:creationId xmlns="" xmlns:p14="http://schemas.microsoft.com/office/powerpoint/2010/main" val="2829459630"/>
       </p:ext>
     </p:extLst>
   </p:cSld>
@@ -4973,7 +4959,7 @@
     </p:spTree>
     <p:extLst>
       <p:ext uri="{BB962C8B-B14F-4D97-AF65-F5344CB8AC3E}">
-        <p14:creationId xmlns:p14="http://schemas.microsoft.com/office/powerpoint/2010/main" xmlns="" val="2829459630"/>
+        <p14:creationId xmlns="" xmlns:p14="http://schemas.microsoft.com/office/powerpoint/2010/main" val="2829459630"/>
       </p:ext>
     </p:extLst>
   </p:cSld>
